--- a/branches/extended/2-Java-Programmer-Modulo-II/00.Revisao.pptx
+++ b/branches/extended/2-Java-Programmer-Modulo-II/00.Revisao.pptx
@@ -250,7 +250,7 @@
               <a:pPr>
                 <a:defRPr/>
               </a:pPr>
-              <a:t>05/05/2012</a:t>
+              <a:t>24/09/2012</a:t>
             </a:fld>
             <a:endParaRPr lang="pt-BR"/>
           </a:p>
@@ -438,7 +438,7 @@
               <a:pPr>
                 <a:defRPr/>
               </a:pPr>
-              <a:t>‹nº›</a:t>
+              <a:t>‹#›</a:t>
             </a:fld>
             <a:endParaRPr lang="pt-BR"/>
           </a:p>
@@ -1231,7 +1231,7 @@
               <a:pPr>
                 <a:defRPr/>
               </a:pPr>
-              <a:t>05/05/2012</a:t>
+              <a:t>24/09/2012</a:t>
             </a:fld>
             <a:endParaRPr lang="pt-BR"/>
           </a:p>
@@ -1290,7 +1290,7 @@
               <a:pPr>
                 <a:defRPr/>
               </a:pPr>
-              <a:t>‹nº›</a:t>
+              <a:t>‹#›</a:t>
             </a:fld>
             <a:endParaRPr lang="pt-BR"/>
           </a:p>
@@ -1423,7 +1423,7 @@
               <a:pPr>
                 <a:defRPr/>
               </a:pPr>
-              <a:t>05/05/2012</a:t>
+              <a:t>24/09/2012</a:t>
             </a:fld>
             <a:endParaRPr lang="pt-BR"/>
           </a:p>
@@ -1482,7 +1482,7 @@
               <a:pPr>
                 <a:defRPr/>
               </a:pPr>
-              <a:t>‹nº›</a:t>
+              <a:t>‹#›</a:t>
             </a:fld>
             <a:endParaRPr lang="pt-BR"/>
           </a:p>
@@ -1625,7 +1625,7 @@
               <a:pPr>
                 <a:defRPr/>
               </a:pPr>
-              <a:t>05/05/2012</a:t>
+              <a:t>24/09/2012</a:t>
             </a:fld>
             <a:endParaRPr lang="pt-BR"/>
           </a:p>
@@ -1684,7 +1684,7 @@
               <a:pPr>
                 <a:defRPr/>
               </a:pPr>
-              <a:t>‹nº›</a:t>
+              <a:t>‹#›</a:t>
             </a:fld>
             <a:endParaRPr lang="pt-BR"/>
           </a:p>
@@ -1821,7 +1821,7 @@
               <a:pPr>
                 <a:defRPr/>
               </a:pPr>
-              <a:t>05/05/2012</a:t>
+              <a:t>24/09/2012</a:t>
             </a:fld>
             <a:endParaRPr lang="pt-BR"/>
           </a:p>
@@ -1880,7 +1880,7 @@
               <a:pPr>
                 <a:defRPr/>
               </a:pPr>
-              <a:t>‹nº›</a:t>
+              <a:t>‹#›</a:t>
             </a:fld>
             <a:endParaRPr lang="pt-BR"/>
           </a:p>
@@ -2327,7 +2327,7 @@
               <a:pPr>
                 <a:defRPr/>
               </a:pPr>
-              <a:t>05/05/2012</a:t>
+              <a:t>24/09/2012</a:t>
             </a:fld>
             <a:endParaRPr lang="pt-BR"/>
           </a:p>
@@ -2386,7 +2386,7 @@
               <a:pPr>
                 <a:defRPr/>
               </a:pPr>
-              <a:t>‹nº›</a:t>
+              <a:t>‹#›</a:t>
             </a:fld>
             <a:endParaRPr lang="pt-BR"/>
           </a:p>
@@ -2618,7 +2618,7 @@
               <a:pPr>
                 <a:defRPr/>
               </a:pPr>
-              <a:t>05/05/2012</a:t>
+              <a:t>24/09/2012</a:t>
             </a:fld>
             <a:endParaRPr lang="pt-BR"/>
           </a:p>
@@ -2677,7 +2677,7 @@
               <a:pPr>
                 <a:defRPr/>
               </a:pPr>
-              <a:t>‹nº›</a:t>
+              <a:t>‹#›</a:t>
             </a:fld>
             <a:endParaRPr lang="pt-BR"/>
           </a:p>
@@ -3019,7 +3019,7 @@
               <a:pPr>
                 <a:defRPr/>
               </a:pPr>
-              <a:t>05/05/2012</a:t>
+              <a:t>24/09/2012</a:t>
             </a:fld>
             <a:endParaRPr lang="pt-BR"/>
           </a:p>
@@ -3078,7 +3078,7 @@
               <a:pPr>
                 <a:defRPr/>
               </a:pPr>
-              <a:t>‹nº›</a:t>
+              <a:t>‹#›</a:t>
             </a:fld>
             <a:endParaRPr lang="pt-BR"/>
           </a:p>
@@ -3168,7 +3168,7 @@
               <a:pPr>
                 <a:defRPr/>
               </a:pPr>
-              <a:t>05/05/2012</a:t>
+              <a:t>24/09/2012</a:t>
             </a:fld>
             <a:endParaRPr lang="pt-BR"/>
           </a:p>
@@ -3227,7 +3227,7 @@
               <a:pPr>
                 <a:defRPr/>
               </a:pPr>
-              <a:t>‹nº›</a:t>
+              <a:t>‹#›</a:t>
             </a:fld>
             <a:endParaRPr lang="pt-BR"/>
           </a:p>
@@ -3285,7 +3285,7 @@
               <a:pPr>
                 <a:defRPr/>
               </a:pPr>
-              <a:t>05/05/2012</a:t>
+              <a:t>24/09/2012</a:t>
             </a:fld>
             <a:endParaRPr lang="pt-BR"/>
           </a:p>
@@ -3344,7 +3344,7 @@
               <a:pPr>
                 <a:defRPr/>
               </a:pPr>
-              <a:t>‹nº›</a:t>
+              <a:t>‹#›</a:t>
             </a:fld>
             <a:endParaRPr lang="pt-BR"/>
           </a:p>
@@ -3561,7 +3561,7 @@
               <a:pPr>
                 <a:defRPr/>
               </a:pPr>
-              <a:t>05/05/2012</a:t>
+              <a:t>24/09/2012</a:t>
             </a:fld>
             <a:endParaRPr lang="pt-BR"/>
           </a:p>
@@ -3625,7 +3625,7 @@
               <a:pPr>
                 <a:defRPr/>
               </a:pPr>
-              <a:t>‹nº›</a:t>
+              <a:t>‹#›</a:t>
             </a:fld>
             <a:endParaRPr lang="pt-BR"/>
           </a:p>
@@ -3845,7 +3845,7 @@
               <a:pPr>
                 <a:defRPr/>
               </a:pPr>
-              <a:t>05/05/2012</a:t>
+              <a:t>24/09/2012</a:t>
             </a:fld>
             <a:endParaRPr lang="pt-BR"/>
           </a:p>
@@ -3904,7 +3904,7 @@
               <a:pPr>
                 <a:defRPr/>
               </a:pPr>
-              <a:t>‹nº›</a:t>
+              <a:t>‹#›</a:t>
             </a:fld>
             <a:endParaRPr lang="pt-BR"/>
           </a:p>
@@ -4173,7 +4173,7 @@
         <p:spPr bwMode="auto">
           <a:xfrm>
             <a:off x="457200" y="274638"/>
-            <a:ext cx="7467600" cy="1143000"/>
+            <a:ext cx="8329642" cy="1143000"/>
           </a:xfrm>
           <a:prstGeom prst="rect">
             <a:avLst/>
@@ -4196,10 +4196,10 @@
           <a:p>
             <a:pPr lvl="0"/>
             <a:r>
-              <a:rPr lang="pt-BR" smtClean="0"/>
+              <a:rPr lang="pt-BR" dirty="0" smtClean="0"/>
               <a:t>Clique para editar o estilo do título mestre</a:t>
             </a:r>
-            <a:endParaRPr lang="en-US" smtClean="0"/>
+            <a:endParaRPr lang="en-US" dirty="0" smtClean="0"/>
           </a:p>
         </p:txBody>
       </p:sp>
@@ -4323,7 +4323,7 @@
               <a:pPr>
                 <a:defRPr/>
               </a:pPr>
-              <a:t>05/05/2012</a:t>
+              <a:t>24/09/2012</a:t>
             </a:fld>
             <a:endParaRPr lang="pt-BR"/>
           </a:p>
@@ -4426,7 +4426,7 @@
               <a:pPr>
                 <a:defRPr/>
               </a:pPr>
-              <a:t>‹nº›</a:t>
+              <a:t>‹#›</a:t>
             </a:fld>
             <a:endParaRPr lang="pt-BR"/>
           </a:p>
